--- a/Introduction_to_Flutteristas.pptx
+++ b/Introduction_to_Flutteristas.pptx
@@ -18,7 +18,7 @@
   <p:sldSz cx="13004800" cy="9753600"/>
   <p:notesSz cx="6858000" cy="9144000"/>
   <p:defaultTextStyle>
-    <a:defPPr marL="0" marR="0" indent="0" algn="l" defTabSz="914400" rtl="0" fontAlgn="auto" latinLnBrk="1" hangingPunct="0">
+    <a:defPPr marL="0" marR="0" indent="0" algn="l" defTabSz="914219" rtl="0" fontAlgn="auto" latinLnBrk="1" hangingPunct="0">
       <a:lnSpc>
         <a:spcPct val="100000"/>
       </a:lnSpc>
@@ -33,7 +33,7 @@
       <a:buFontTx/>
       <a:buNone/>
       <a:tabLst/>
-      <a:defRPr kumimoji="0" sz="1800" b="0" i="0" u="none" strike="noStrike" cap="none" spc="0" normalizeH="0" baseline="0">
+      <a:defRPr kumimoji="0" sz="1801" b="0" i="0" u="none" strike="noStrike" cap="none" spc="0" normalizeH="0" baseline="0">
         <a:ln>
           <a:noFill/>
         </a:ln>
@@ -44,7 +44,7 @@
         <a:uFillTx/>
       </a:defRPr>
     </a:defPPr>
-    <a:lvl1pPr marL="0" marR="0" indent="0" algn="ctr" defTabSz="584200" rtl="0" fontAlgn="auto" latinLnBrk="0" hangingPunct="0">
+    <a:lvl1pPr marL="0" marR="0" indent="0" algn="ctr" defTabSz="584085" rtl="0" fontAlgn="auto" latinLnBrk="0" hangingPunct="0">
       <a:lnSpc>
         <a:spcPct val="100000"/>
       </a:lnSpc>
@@ -59,7 +59,7 @@
       <a:buFontTx/>
       <a:buNone/>
       <a:tabLst/>
-      <a:defRPr kumimoji="0" sz="2400" b="1" i="0" u="none" strike="noStrike" cap="none" spc="0" normalizeH="0" baseline="0">
+      <a:defRPr kumimoji="0" sz="2399" b="1" i="0" u="none" strike="noStrike" cap="none" spc="0" normalizeH="0" baseline="0">
         <a:ln>
           <a:noFill/>
         </a:ln>
@@ -74,7 +74,7 @@
         <a:sym typeface="Helvetica Neue"/>
       </a:defRPr>
     </a:lvl1pPr>
-    <a:lvl2pPr marL="0" marR="0" indent="228600" algn="ctr" defTabSz="584200" rtl="0" fontAlgn="auto" latinLnBrk="0" hangingPunct="0">
+    <a:lvl2pPr marL="0" marR="0" indent="228555" algn="ctr" defTabSz="584085" rtl="0" fontAlgn="auto" latinLnBrk="0" hangingPunct="0">
       <a:lnSpc>
         <a:spcPct val="100000"/>
       </a:lnSpc>
@@ -89,7 +89,7 @@
       <a:buFontTx/>
       <a:buNone/>
       <a:tabLst/>
-      <a:defRPr kumimoji="0" sz="2400" b="1" i="0" u="none" strike="noStrike" cap="none" spc="0" normalizeH="0" baseline="0">
+      <a:defRPr kumimoji="0" sz="2399" b="1" i="0" u="none" strike="noStrike" cap="none" spc="0" normalizeH="0" baseline="0">
         <a:ln>
           <a:noFill/>
         </a:ln>
@@ -104,7 +104,7 @@
         <a:sym typeface="Helvetica Neue"/>
       </a:defRPr>
     </a:lvl2pPr>
-    <a:lvl3pPr marL="0" marR="0" indent="457200" algn="ctr" defTabSz="584200" rtl="0" fontAlgn="auto" latinLnBrk="0" hangingPunct="0">
+    <a:lvl3pPr marL="0" marR="0" indent="457109" algn="ctr" defTabSz="584085" rtl="0" fontAlgn="auto" latinLnBrk="0" hangingPunct="0">
       <a:lnSpc>
         <a:spcPct val="100000"/>
       </a:lnSpc>
@@ -119,7 +119,7 @@
       <a:buFontTx/>
       <a:buNone/>
       <a:tabLst/>
-      <a:defRPr kumimoji="0" sz="2400" b="1" i="0" u="none" strike="noStrike" cap="none" spc="0" normalizeH="0" baseline="0">
+      <a:defRPr kumimoji="0" sz="2399" b="1" i="0" u="none" strike="noStrike" cap="none" spc="0" normalizeH="0" baseline="0">
         <a:ln>
           <a:noFill/>
         </a:ln>
@@ -134,7 +134,7 @@
         <a:sym typeface="Helvetica Neue"/>
       </a:defRPr>
     </a:lvl3pPr>
-    <a:lvl4pPr marL="0" marR="0" indent="685800" algn="ctr" defTabSz="584200" rtl="0" fontAlgn="auto" latinLnBrk="0" hangingPunct="0">
+    <a:lvl4pPr marL="0" marR="0" indent="685665" algn="ctr" defTabSz="584085" rtl="0" fontAlgn="auto" latinLnBrk="0" hangingPunct="0">
       <a:lnSpc>
         <a:spcPct val="100000"/>
       </a:lnSpc>
@@ -149,7 +149,7 @@
       <a:buFontTx/>
       <a:buNone/>
       <a:tabLst/>
-      <a:defRPr kumimoji="0" sz="2400" b="1" i="0" u="none" strike="noStrike" cap="none" spc="0" normalizeH="0" baseline="0">
+      <a:defRPr kumimoji="0" sz="2399" b="1" i="0" u="none" strike="noStrike" cap="none" spc="0" normalizeH="0" baseline="0">
         <a:ln>
           <a:noFill/>
         </a:ln>
@@ -164,7 +164,7 @@
         <a:sym typeface="Helvetica Neue"/>
       </a:defRPr>
     </a:lvl4pPr>
-    <a:lvl5pPr marL="0" marR="0" indent="914400" algn="ctr" defTabSz="584200" rtl="0" fontAlgn="auto" latinLnBrk="0" hangingPunct="0">
+    <a:lvl5pPr marL="0" marR="0" indent="914219" algn="ctr" defTabSz="584085" rtl="0" fontAlgn="auto" latinLnBrk="0" hangingPunct="0">
       <a:lnSpc>
         <a:spcPct val="100000"/>
       </a:lnSpc>
@@ -179,7 +179,7 @@
       <a:buFontTx/>
       <a:buNone/>
       <a:tabLst/>
-      <a:defRPr kumimoji="0" sz="2400" b="1" i="0" u="none" strike="noStrike" cap="none" spc="0" normalizeH="0" baseline="0">
+      <a:defRPr kumimoji="0" sz="2399" b="1" i="0" u="none" strike="noStrike" cap="none" spc="0" normalizeH="0" baseline="0">
         <a:ln>
           <a:noFill/>
         </a:ln>
@@ -194,7 +194,7 @@
         <a:sym typeface="Helvetica Neue"/>
       </a:defRPr>
     </a:lvl5pPr>
-    <a:lvl6pPr marL="0" marR="0" indent="1143000" algn="ctr" defTabSz="584200" rtl="0" fontAlgn="auto" latinLnBrk="0" hangingPunct="0">
+    <a:lvl6pPr marL="0" marR="0" indent="1142773" algn="ctr" defTabSz="584085" rtl="0" fontAlgn="auto" latinLnBrk="0" hangingPunct="0">
       <a:lnSpc>
         <a:spcPct val="100000"/>
       </a:lnSpc>
@@ -209,7 +209,7 @@
       <a:buFontTx/>
       <a:buNone/>
       <a:tabLst/>
-      <a:defRPr kumimoji="0" sz="2400" b="1" i="0" u="none" strike="noStrike" cap="none" spc="0" normalizeH="0" baseline="0">
+      <a:defRPr kumimoji="0" sz="2399" b="1" i="0" u="none" strike="noStrike" cap="none" spc="0" normalizeH="0" baseline="0">
         <a:ln>
           <a:noFill/>
         </a:ln>
@@ -224,7 +224,7 @@
         <a:sym typeface="Helvetica Neue"/>
       </a:defRPr>
     </a:lvl6pPr>
-    <a:lvl7pPr marL="0" marR="0" indent="1371600" algn="ctr" defTabSz="584200" rtl="0" fontAlgn="auto" latinLnBrk="0" hangingPunct="0">
+    <a:lvl7pPr marL="0" marR="0" indent="1371328" algn="ctr" defTabSz="584085" rtl="0" fontAlgn="auto" latinLnBrk="0" hangingPunct="0">
       <a:lnSpc>
         <a:spcPct val="100000"/>
       </a:lnSpc>
@@ -239,7 +239,7 @@
       <a:buFontTx/>
       <a:buNone/>
       <a:tabLst/>
-      <a:defRPr kumimoji="0" sz="2400" b="1" i="0" u="none" strike="noStrike" cap="none" spc="0" normalizeH="0" baseline="0">
+      <a:defRPr kumimoji="0" sz="2399" b="1" i="0" u="none" strike="noStrike" cap="none" spc="0" normalizeH="0" baseline="0">
         <a:ln>
           <a:noFill/>
         </a:ln>
@@ -254,7 +254,7 @@
         <a:sym typeface="Helvetica Neue"/>
       </a:defRPr>
     </a:lvl7pPr>
-    <a:lvl8pPr marL="0" marR="0" indent="1600200" algn="ctr" defTabSz="584200" rtl="0" fontAlgn="auto" latinLnBrk="0" hangingPunct="0">
+    <a:lvl8pPr marL="0" marR="0" indent="1599884" algn="ctr" defTabSz="584085" rtl="0" fontAlgn="auto" latinLnBrk="0" hangingPunct="0">
       <a:lnSpc>
         <a:spcPct val="100000"/>
       </a:lnSpc>
@@ -269,7 +269,7 @@
       <a:buFontTx/>
       <a:buNone/>
       <a:tabLst/>
-      <a:defRPr kumimoji="0" sz="2400" b="1" i="0" u="none" strike="noStrike" cap="none" spc="0" normalizeH="0" baseline="0">
+      <a:defRPr kumimoji="0" sz="2399" b="1" i="0" u="none" strike="noStrike" cap="none" spc="0" normalizeH="0" baseline="0">
         <a:ln>
           <a:noFill/>
         </a:ln>
@@ -284,7 +284,7 @@
         <a:sym typeface="Helvetica Neue"/>
       </a:defRPr>
     </a:lvl8pPr>
-    <a:lvl9pPr marL="0" marR="0" indent="1828800" algn="ctr" defTabSz="584200" rtl="0" fontAlgn="auto" latinLnBrk="0" hangingPunct="0">
+    <a:lvl9pPr marL="0" marR="0" indent="1828439" algn="ctr" defTabSz="584085" rtl="0" fontAlgn="auto" latinLnBrk="0" hangingPunct="0">
       <a:lnSpc>
         <a:spcPct val="100000"/>
       </a:lnSpc>
@@ -299,7 +299,7 @@
       <a:buFontTx/>
       <a:buNone/>
       <a:tabLst/>
-      <a:defRPr kumimoji="0" sz="2400" b="1" i="0" u="none" strike="noStrike" cap="none" spc="0" normalizeH="0" baseline="0">
+      <a:defRPr kumimoji="0" sz="2399" b="1" i="0" u="none" strike="noStrike" cap="none" spc="0" normalizeH="0" baseline="0">
         <a:ln>
           <a:noFill/>
         </a:ln>
@@ -403,99 +403,99 @@
   </p:cSld>
   <p:clrMap bg1="lt1" tx1="dk1" bg2="lt2" tx2="dk2" accent1="accent1" accent2="accent2" accent3="accent3" accent4="accent4" accent5="accent5" accent6="accent6" hlink="hlink" folHlink="folHlink"/>
   <p:notesStyle>
-    <a:lvl1pPr defTabSz="457200" latinLnBrk="0">
+    <a:lvl1pPr defTabSz="457109" latinLnBrk="0">
       <a:lnSpc>
         <a:spcPct val="117999"/>
       </a:lnSpc>
-      <a:defRPr sz="2200">
+      <a:defRPr sz="2199">
         <a:latin typeface="Helvetica Neue"/>
         <a:ea typeface="Helvetica Neue"/>
         <a:cs typeface="Helvetica Neue"/>
         <a:sym typeface="Helvetica Neue"/>
       </a:defRPr>
     </a:lvl1pPr>
-    <a:lvl2pPr indent="228600" defTabSz="457200" latinLnBrk="0">
+    <a:lvl2pPr indent="228555" defTabSz="457109" latinLnBrk="0">
       <a:lnSpc>
         <a:spcPct val="117999"/>
       </a:lnSpc>
-      <a:defRPr sz="2200">
+      <a:defRPr sz="2199">
         <a:latin typeface="Helvetica Neue"/>
         <a:ea typeface="Helvetica Neue"/>
         <a:cs typeface="Helvetica Neue"/>
         <a:sym typeface="Helvetica Neue"/>
       </a:defRPr>
     </a:lvl2pPr>
-    <a:lvl3pPr indent="457200" defTabSz="457200" latinLnBrk="0">
+    <a:lvl3pPr indent="457109" defTabSz="457109" latinLnBrk="0">
       <a:lnSpc>
         <a:spcPct val="117999"/>
       </a:lnSpc>
-      <a:defRPr sz="2200">
+      <a:defRPr sz="2199">
         <a:latin typeface="Helvetica Neue"/>
         <a:ea typeface="Helvetica Neue"/>
         <a:cs typeface="Helvetica Neue"/>
         <a:sym typeface="Helvetica Neue"/>
       </a:defRPr>
     </a:lvl3pPr>
-    <a:lvl4pPr indent="685800" defTabSz="457200" latinLnBrk="0">
+    <a:lvl4pPr indent="685665" defTabSz="457109" latinLnBrk="0">
       <a:lnSpc>
         <a:spcPct val="117999"/>
       </a:lnSpc>
-      <a:defRPr sz="2200">
+      <a:defRPr sz="2199">
         <a:latin typeface="Helvetica Neue"/>
         <a:ea typeface="Helvetica Neue"/>
         <a:cs typeface="Helvetica Neue"/>
         <a:sym typeface="Helvetica Neue"/>
       </a:defRPr>
     </a:lvl4pPr>
-    <a:lvl5pPr indent="914400" defTabSz="457200" latinLnBrk="0">
+    <a:lvl5pPr indent="914219" defTabSz="457109" latinLnBrk="0">
       <a:lnSpc>
         <a:spcPct val="117999"/>
       </a:lnSpc>
-      <a:defRPr sz="2200">
+      <a:defRPr sz="2199">
         <a:latin typeface="Helvetica Neue"/>
         <a:ea typeface="Helvetica Neue"/>
         <a:cs typeface="Helvetica Neue"/>
         <a:sym typeface="Helvetica Neue"/>
       </a:defRPr>
     </a:lvl5pPr>
-    <a:lvl6pPr indent="1143000" defTabSz="457200" latinLnBrk="0">
+    <a:lvl6pPr indent="1142773" defTabSz="457109" latinLnBrk="0">
       <a:lnSpc>
         <a:spcPct val="117999"/>
       </a:lnSpc>
-      <a:defRPr sz="2200">
+      <a:defRPr sz="2199">
         <a:latin typeface="Helvetica Neue"/>
         <a:ea typeface="Helvetica Neue"/>
         <a:cs typeface="Helvetica Neue"/>
         <a:sym typeface="Helvetica Neue"/>
       </a:defRPr>
     </a:lvl6pPr>
-    <a:lvl7pPr indent="1371600" defTabSz="457200" latinLnBrk="0">
+    <a:lvl7pPr indent="1371328" defTabSz="457109" latinLnBrk="0">
       <a:lnSpc>
         <a:spcPct val="117999"/>
       </a:lnSpc>
-      <a:defRPr sz="2200">
+      <a:defRPr sz="2199">
         <a:latin typeface="Helvetica Neue"/>
         <a:ea typeface="Helvetica Neue"/>
         <a:cs typeface="Helvetica Neue"/>
         <a:sym typeface="Helvetica Neue"/>
       </a:defRPr>
     </a:lvl7pPr>
-    <a:lvl8pPr indent="1600200" defTabSz="457200" latinLnBrk="0">
+    <a:lvl8pPr indent="1599884" defTabSz="457109" latinLnBrk="0">
       <a:lnSpc>
         <a:spcPct val="117999"/>
       </a:lnSpc>
-      <a:defRPr sz="2200">
+      <a:defRPr sz="2199">
         <a:latin typeface="Helvetica Neue"/>
         <a:ea typeface="Helvetica Neue"/>
         <a:cs typeface="Helvetica Neue"/>
         <a:sym typeface="Helvetica Neue"/>
       </a:defRPr>
     </a:lvl8pPr>
-    <a:lvl9pPr indent="1828800" defTabSz="457200" latinLnBrk="0">
+    <a:lvl9pPr indent="1828439" defTabSz="457109" latinLnBrk="0">
       <a:lnSpc>
         <a:spcPct val="117999"/>
       </a:lnSpc>
-      <a:defRPr sz="2200">
+      <a:defRPr sz="2199">
         <a:latin typeface="Helvetica Neue"/>
         <a:ea typeface="Helvetica Neue"/>
         <a:cs typeface="Helvetica Neue"/>
@@ -535,8 +535,8 @@
         </p:nvSpPr>
         <p:spPr>
           <a:xfrm>
-            <a:off x="1270000" y="1638300"/>
-            <a:ext cx="10464800" cy="3302000"/>
+            <a:off x="1270001" y="1638301"/>
+            <a:ext cx="10464801" cy="3302000"/>
           </a:xfrm>
           <a:prstGeom prst="rect">
             <a:avLst/>
@@ -564,8 +564,8 @@
         </p:nvSpPr>
         <p:spPr>
           <a:xfrm>
-            <a:off x="1270000" y="5029200"/>
-            <a:ext cx="10464800" cy="1130300"/>
+            <a:off x="1270001" y="5029200"/>
+            <a:ext cx="10464801" cy="1130300"/>
           </a:xfrm>
           <a:prstGeom prst="rect">
             <a:avLst/>
@@ -581,7 +581,7 @@
               <a:buClrTx/>
               <a:buSzTx/>
               <a:buNone/>
-              <a:defRPr sz="3700"/>
+              <a:defRPr sz="3699"/>
             </a:lvl1pPr>
             <a:lvl2pPr marL="0" indent="0" algn="ctr">
               <a:spcBef>
@@ -590,7 +590,7 @@
               <a:buClrTx/>
               <a:buSzTx/>
               <a:buNone/>
-              <a:defRPr sz="3700"/>
+              <a:defRPr sz="3699"/>
             </a:lvl2pPr>
             <a:lvl3pPr marL="0" indent="0" algn="ctr">
               <a:spcBef>
@@ -599,7 +599,7 @@
               <a:buClrTx/>
               <a:buSzTx/>
               <a:buNone/>
-              <a:defRPr sz="3700"/>
+              <a:defRPr sz="3699"/>
             </a:lvl3pPr>
             <a:lvl4pPr marL="0" indent="0" algn="ctr">
               <a:spcBef>
@@ -608,7 +608,7 @@
               <a:buClrTx/>
               <a:buSzTx/>
               <a:buNone/>
-              <a:defRPr sz="3700"/>
+              <a:defRPr sz="3699"/>
             </a:lvl4pPr>
             <a:lvl5pPr marL="0" indent="0" algn="ctr">
               <a:spcBef>
@@ -617,7 +617,7 @@
               <a:buClrTx/>
               <a:buSzTx/>
               <a:buNone/>
-              <a:defRPr sz="3700"/>
+              <a:defRPr sz="3699"/>
             </a:lvl5pPr>
           </a:lstStyle>
           <a:p>
@@ -715,8 +715,8 @@
         </p:nvSpPr>
         <p:spPr>
           <a:xfrm>
-            <a:off x="1270000" y="6362700"/>
-            <a:ext cx="10464800" cy="461366"/>
+            <a:off x="1270001" y="6362702"/>
+            <a:ext cx="10464801" cy="471796"/>
           </a:xfrm>
           <a:prstGeom prst="rect">
             <a:avLst/>
@@ -734,7 +734,7 @@
               <a:buClrTx/>
               <a:buSzTx/>
               <a:buNone/>
-              <a:defRPr sz="2400" i="1"/>
+              <a:defRPr sz="2399" i="1"/>
             </a:lvl1pPr>
           </a:lstStyle>
           <a:p>
@@ -756,8 +756,8 @@
         </p:nvSpPr>
         <p:spPr>
           <a:xfrm>
-            <a:off x="1270000" y="4308599"/>
-            <a:ext cx="10464800" cy="609776"/>
+            <a:off x="1270001" y="4300582"/>
+            <a:ext cx="10464801" cy="625812"/>
           </a:xfrm>
           <a:prstGeom prst="rect">
             <a:avLst/>
@@ -854,8 +854,8 @@
         </p:nvSpPr>
         <p:spPr>
           <a:xfrm>
-            <a:off x="-929606" y="-12700"/>
-            <a:ext cx="16551777" cy="11034518"/>
+            <a:off x="-929604" y="-12701"/>
+            <a:ext cx="16551777" cy="11034519"/>
           </a:xfrm>
           <a:prstGeom prst="rect">
             <a:avLst/>
@@ -987,7 +987,7 @@
         </p:nvSpPr>
         <p:spPr>
           <a:xfrm>
-            <a:off x="-647700" y="508000"/>
+            <a:off x="-647699" y="508001"/>
             <a:ext cx="12369801" cy="6142538"/>
           </a:xfrm>
           <a:prstGeom prst="rect">
@@ -1016,8 +1016,8 @@
         </p:nvSpPr>
         <p:spPr>
           <a:xfrm>
-            <a:off x="1270000" y="6718300"/>
-            <a:ext cx="10464800" cy="1422400"/>
+            <a:off x="1270001" y="6718301"/>
+            <a:ext cx="10464801" cy="1422400"/>
           </a:xfrm>
           <a:prstGeom prst="rect">
             <a:avLst/>
@@ -1045,8 +1045,8 @@
         </p:nvSpPr>
         <p:spPr>
           <a:xfrm>
-            <a:off x="1270000" y="8153400"/>
-            <a:ext cx="10464800" cy="1130300"/>
+            <a:off x="1270001" y="8153401"/>
+            <a:ext cx="10464801" cy="1130300"/>
           </a:xfrm>
           <a:prstGeom prst="rect">
             <a:avLst/>
@@ -1062,7 +1062,7 @@
               <a:buClrTx/>
               <a:buSzTx/>
               <a:buNone/>
-              <a:defRPr sz="3700"/>
+              <a:defRPr sz="3699"/>
             </a:lvl1pPr>
             <a:lvl2pPr marL="0" indent="0" algn="ctr">
               <a:spcBef>
@@ -1071,7 +1071,7 @@
               <a:buClrTx/>
               <a:buSzTx/>
               <a:buNone/>
-              <a:defRPr sz="3700"/>
+              <a:defRPr sz="3699"/>
             </a:lvl2pPr>
             <a:lvl3pPr marL="0" indent="0" algn="ctr">
               <a:spcBef>
@@ -1080,7 +1080,7 @@
               <a:buClrTx/>
               <a:buSzTx/>
               <a:buNone/>
-              <a:defRPr sz="3700"/>
+              <a:defRPr sz="3699"/>
             </a:lvl3pPr>
             <a:lvl4pPr marL="0" indent="0" algn="ctr">
               <a:spcBef>
@@ -1089,7 +1089,7 @@
               <a:buClrTx/>
               <a:buSzTx/>
               <a:buNone/>
-              <a:defRPr sz="3700"/>
+              <a:defRPr sz="3699"/>
             </a:lvl4pPr>
             <a:lvl5pPr marL="0" indent="0" algn="ctr">
               <a:spcBef>
@@ -1098,7 +1098,7 @@
               <a:buClrTx/>
               <a:buSzTx/>
               <a:buNone/>
-              <a:defRPr sz="3700"/>
+              <a:defRPr sz="3699"/>
             </a:lvl5pPr>
           </a:lstStyle>
           <a:p>
@@ -1196,8 +1196,8 @@
         </p:nvSpPr>
         <p:spPr>
           <a:xfrm>
-            <a:off x="1270000" y="3225800"/>
-            <a:ext cx="10464800" cy="3302000"/>
+            <a:off x="1270001" y="3225801"/>
+            <a:ext cx="10464801" cy="3302000"/>
           </a:xfrm>
           <a:prstGeom prst="rect">
             <a:avLst/>
@@ -1277,8 +1277,8 @@
         </p:nvSpPr>
         <p:spPr>
           <a:xfrm>
-            <a:off x="2451058" y="-138499"/>
-            <a:ext cx="13525502" cy="9017002"/>
+            <a:off x="2451058" y="-138497"/>
+            <a:ext cx="13525501" cy="9017001"/>
           </a:xfrm>
           <a:prstGeom prst="rect">
             <a:avLst/>
@@ -1317,7 +1317,7 @@
           <a:bodyPr anchor="b"/>
           <a:lstStyle>
             <a:lvl1pPr>
-              <a:defRPr sz="6000"/>
+              <a:defRPr sz="5999"/>
             </a:lvl1pPr>
           </a:lstStyle>
           <a:p>
@@ -1339,7 +1339,7 @@
         </p:nvSpPr>
         <p:spPr>
           <a:xfrm>
-            <a:off x="952500" y="4724400"/>
+            <a:off x="952500" y="4724401"/>
             <a:ext cx="5334000" cy="4114800"/>
           </a:xfrm>
           <a:prstGeom prst="rect">
@@ -1356,7 +1356,7 @@
               <a:buClrTx/>
               <a:buSzTx/>
               <a:buNone/>
-              <a:defRPr sz="3700"/>
+              <a:defRPr sz="3699"/>
             </a:lvl1pPr>
             <a:lvl2pPr marL="0" indent="0" algn="ctr">
               <a:spcBef>
@@ -1365,7 +1365,7 @@
               <a:buClrTx/>
               <a:buSzTx/>
               <a:buNone/>
-              <a:defRPr sz="3700"/>
+              <a:defRPr sz="3699"/>
             </a:lvl2pPr>
             <a:lvl3pPr marL="0" indent="0" algn="ctr">
               <a:spcBef>
@@ -1374,7 +1374,7 @@
               <a:buClrTx/>
               <a:buSzTx/>
               <a:buNone/>
-              <a:defRPr sz="3700"/>
+              <a:defRPr sz="3699"/>
             </a:lvl3pPr>
             <a:lvl4pPr marL="0" indent="0" algn="ctr">
               <a:spcBef>
@@ -1383,7 +1383,7 @@
               <a:buClrTx/>
               <a:buSzTx/>
               <a:buNone/>
-              <a:defRPr sz="3700"/>
+              <a:defRPr sz="3699"/>
             </a:lvl4pPr>
             <a:lvl5pPr marL="0" indent="0" algn="ctr">
               <a:spcBef>
@@ -1392,7 +1392,7 @@
               <a:buClrTx/>
               <a:buSzTx/>
               <a:buNone/>
-              <a:defRPr sz="3700"/>
+              <a:defRPr sz="3699"/>
             </a:lvl5pPr>
           </a:lstStyle>
           <a:p>
@@ -1709,8 +1709,8 @@
         </p:nvSpPr>
         <p:spPr>
           <a:xfrm>
-            <a:off x="4473575" y="2032000"/>
-            <a:ext cx="10287000" cy="6858000"/>
+            <a:off x="4473574" y="2032002"/>
+            <a:ext cx="10287002" cy="6858000"/>
           </a:xfrm>
           <a:prstGeom prst="rect">
             <a:avLst/>
@@ -1763,7 +1763,7 @@
         </p:nvSpPr>
         <p:spPr>
           <a:xfrm>
-            <a:off x="952500" y="2590800"/>
+            <a:off x="952500" y="2590802"/>
             <a:ext cx="5334000" cy="6286500"/>
           </a:xfrm>
           <a:prstGeom prst="rect">
@@ -1773,35 +1773,35 @@
         <p:txBody>
           <a:bodyPr/>
           <a:lstStyle>
-            <a:lvl1pPr marL="342900" indent="-342900">
+            <a:lvl1pPr marL="342858" indent="-342858">
               <a:spcBef>
                 <a:spcPts val="3200"/>
               </a:spcBef>
               <a:buClrTx/>
               <a:defRPr sz="2800"/>
             </a:lvl1pPr>
-            <a:lvl2pPr marL="685800" indent="-342900">
+            <a:lvl2pPr marL="685717" indent="-342858">
               <a:spcBef>
                 <a:spcPts val="3200"/>
               </a:spcBef>
               <a:buClrTx/>
               <a:defRPr sz="2800"/>
             </a:lvl2pPr>
-            <a:lvl3pPr marL="1028700" indent="-342900">
+            <a:lvl3pPr marL="1028575" indent="-342858">
               <a:spcBef>
                 <a:spcPts val="3200"/>
               </a:spcBef>
               <a:buClrTx/>
               <a:defRPr sz="2800"/>
             </a:lvl3pPr>
-            <a:lvl4pPr marL="1371600" indent="-342900">
+            <a:lvl4pPr marL="1371432" indent="-342858">
               <a:spcBef>
                 <a:spcPts val="3200"/>
               </a:spcBef>
               <a:buClrTx/>
               <a:defRPr sz="2800"/>
             </a:lvl4pPr>
-            <a:lvl5pPr marL="1714500" indent="-342900">
+            <a:lvl5pPr marL="1714290" indent="-342858">
               <a:spcBef>
                 <a:spcPts val="3200"/>
               </a:spcBef>
@@ -1904,8 +1904,8 @@
         </p:nvSpPr>
         <p:spPr>
           <a:xfrm>
-            <a:off x="952500" y="1270000"/>
-            <a:ext cx="11099800" cy="7213600"/>
+            <a:off x="952500" y="1270001"/>
+            <a:ext cx="11099802" cy="7213601"/>
           </a:xfrm>
           <a:prstGeom prst="rect">
             <a:avLst/>
@@ -2026,7 +2026,7 @@
         <p:spPr>
           <a:xfrm>
             <a:off x="6426200" y="4965700"/>
-            <a:ext cx="5886450" cy="3924300"/>
+            <a:ext cx="5886450" cy="3924301"/>
           </a:xfrm>
           <a:prstGeom prst="rect">
             <a:avLst/>
@@ -2054,7 +2054,7 @@
         </p:nvSpPr>
         <p:spPr>
           <a:xfrm>
-            <a:off x="6737350" y="639233"/>
+            <a:off x="6737350" y="639235"/>
             <a:ext cx="5880100" cy="3920067"/>
           </a:xfrm>
           <a:prstGeom prst="rect">
@@ -2083,7 +2083,7 @@
         </p:nvSpPr>
         <p:spPr>
           <a:xfrm>
-            <a:off x="-3400425" y="-127000"/>
+            <a:off x="-3400423" y="-127000"/>
             <a:ext cx="13525500" cy="9017000"/>
           </a:xfrm>
           <a:prstGeom prst="rect">
@@ -2172,8 +2172,8 @@
         </p:nvSpPr>
         <p:spPr>
           <a:xfrm>
-            <a:off x="952500" y="254000"/>
-            <a:ext cx="11099800" cy="2159000"/>
+            <a:off x="952500" y="254001"/>
+            <a:ext cx="11099802" cy="2159000"/>
           </a:xfrm>
           <a:prstGeom prst="rect">
             <a:avLst/>
@@ -2183,7 +2183,7 @@
           </a:ln>
           <a:extLst>
             <a:ext uri="{C572A759-6A51-4108-AA02-DFA0A04FC94B}">
-              <ma14:wrappingTextBoxFlag xmlns:ma14="http://schemas.microsoft.com/office/mac/drawingml/2011/main" val="1"/>
+              <ma14:wrappingTextBoxFlag xmlns:ma14="http://schemas.microsoft.com/office/mac/drawingml/2011/main" xmlns="" val="1"/>
             </a:ext>
           </a:extLst>
         </p:spPr>
@@ -2211,8 +2211,8 @@
         </p:nvSpPr>
         <p:spPr>
           <a:xfrm>
-            <a:off x="952500" y="2590800"/>
-            <a:ext cx="11099800" cy="6286500"/>
+            <a:off x="952500" y="2590802"/>
+            <a:ext cx="11099802" cy="6286500"/>
           </a:xfrm>
           <a:prstGeom prst="rect">
             <a:avLst/>
@@ -2222,7 +2222,7 @@
           </a:ln>
           <a:extLst>
             <a:ext uri="{C572A759-6A51-4108-AA02-DFA0A04FC94B}">
-              <ma14:wrappingTextBoxFlag xmlns:ma14="http://schemas.microsoft.com/office/mac/drawingml/2011/main" val="1"/>
+              <ma14:wrappingTextBoxFlag xmlns:ma14="http://schemas.microsoft.com/office/mac/drawingml/2011/main" xmlns="" val="1"/>
             </a:ext>
           </a:extLst>
         </p:spPr>
@@ -2274,8 +2274,8 @@
         </p:nvSpPr>
         <p:spPr>
           <a:xfrm>
-            <a:off x="6328884" y="9296400"/>
-            <a:ext cx="340259" cy="324306"/>
+            <a:off x="6337913" y="9296401"/>
+            <a:ext cx="322204" cy="348685"/>
           </a:xfrm>
           <a:prstGeom prst="rect">
             <a:avLst/>
@@ -2290,7 +2290,7 @@
           </a:bodyPr>
           <a:lstStyle>
             <a:lvl1pPr>
-              <a:defRPr sz="1600" b="0">
+              <a:defRPr sz="1599" b="0">
                 <a:latin typeface="Helvetica Neue Light"/>
                 <a:ea typeface="Helvetica Neue Light"/>
                 <a:cs typeface="Helvetica Neue Light"/>
@@ -2326,7 +2326,7 @@
   <p:transition spd="med"/>
   <p:txStyles>
     <p:titleStyle>
-      <a:lvl1pPr marL="0" marR="0" indent="0" algn="ctr" defTabSz="584200" rtl="0" latinLnBrk="0">
+      <a:lvl1pPr marL="0" marR="0" indent="0" algn="ctr" defTabSz="584127" rtl="0" latinLnBrk="0">
         <a:lnSpc>
           <a:spcPct val="100000"/>
         </a:lnSpc>
@@ -2341,7 +2341,7 @@
         <a:buFontTx/>
         <a:buNone/>
         <a:tabLst/>
-        <a:defRPr sz="8000" b="0" i="0" u="none" strike="noStrike" cap="none" spc="0" baseline="0">
+        <a:defRPr sz="7998" b="0" i="0" u="none" strike="noStrike" cap="none" spc="0" baseline="0">
           <a:solidFill>
             <a:srgbClr val="FFFFFF"/>
           </a:solidFill>
@@ -2352,7 +2352,7 @@
           <a:sym typeface="Helvetica Neue Medium"/>
         </a:defRPr>
       </a:lvl1pPr>
-      <a:lvl2pPr marL="0" marR="0" indent="0" algn="ctr" defTabSz="584200" rtl="0" latinLnBrk="0">
+      <a:lvl2pPr marL="0" marR="0" indent="0" algn="ctr" defTabSz="584127" rtl="0" latinLnBrk="0">
         <a:lnSpc>
           <a:spcPct val="100000"/>
         </a:lnSpc>
@@ -2367,7 +2367,7 @@
         <a:buFontTx/>
         <a:buNone/>
         <a:tabLst/>
-        <a:defRPr sz="8000" b="0" i="0" u="none" strike="noStrike" cap="none" spc="0" baseline="0">
+        <a:defRPr sz="7998" b="0" i="0" u="none" strike="noStrike" cap="none" spc="0" baseline="0">
           <a:solidFill>
             <a:srgbClr val="FFFFFF"/>
           </a:solidFill>
@@ -2378,7 +2378,7 @@
           <a:sym typeface="Helvetica Neue Medium"/>
         </a:defRPr>
       </a:lvl2pPr>
-      <a:lvl3pPr marL="0" marR="0" indent="0" algn="ctr" defTabSz="584200" rtl="0" latinLnBrk="0">
+      <a:lvl3pPr marL="0" marR="0" indent="0" algn="ctr" defTabSz="584127" rtl="0" latinLnBrk="0">
         <a:lnSpc>
           <a:spcPct val="100000"/>
         </a:lnSpc>
@@ -2393,7 +2393,7 @@
         <a:buFontTx/>
         <a:buNone/>
         <a:tabLst/>
-        <a:defRPr sz="8000" b="0" i="0" u="none" strike="noStrike" cap="none" spc="0" baseline="0">
+        <a:defRPr sz="7998" b="0" i="0" u="none" strike="noStrike" cap="none" spc="0" baseline="0">
           <a:solidFill>
             <a:srgbClr val="FFFFFF"/>
           </a:solidFill>
@@ -2404,7 +2404,7 @@
           <a:sym typeface="Helvetica Neue Medium"/>
         </a:defRPr>
       </a:lvl3pPr>
-      <a:lvl4pPr marL="0" marR="0" indent="0" algn="ctr" defTabSz="584200" rtl="0" latinLnBrk="0">
+      <a:lvl4pPr marL="0" marR="0" indent="0" algn="ctr" defTabSz="584127" rtl="0" latinLnBrk="0">
         <a:lnSpc>
           <a:spcPct val="100000"/>
         </a:lnSpc>
@@ -2419,7 +2419,7 @@
         <a:buFontTx/>
         <a:buNone/>
         <a:tabLst/>
-        <a:defRPr sz="8000" b="0" i="0" u="none" strike="noStrike" cap="none" spc="0" baseline="0">
+        <a:defRPr sz="7998" b="0" i="0" u="none" strike="noStrike" cap="none" spc="0" baseline="0">
           <a:solidFill>
             <a:srgbClr val="FFFFFF"/>
           </a:solidFill>
@@ -2430,7 +2430,7 @@
           <a:sym typeface="Helvetica Neue Medium"/>
         </a:defRPr>
       </a:lvl4pPr>
-      <a:lvl5pPr marL="0" marR="0" indent="0" algn="ctr" defTabSz="584200" rtl="0" latinLnBrk="0">
+      <a:lvl5pPr marL="0" marR="0" indent="0" algn="ctr" defTabSz="584127" rtl="0" latinLnBrk="0">
         <a:lnSpc>
           <a:spcPct val="100000"/>
         </a:lnSpc>
@@ -2445,7 +2445,7 @@
         <a:buFontTx/>
         <a:buNone/>
         <a:tabLst/>
-        <a:defRPr sz="8000" b="0" i="0" u="none" strike="noStrike" cap="none" spc="0" baseline="0">
+        <a:defRPr sz="7998" b="0" i="0" u="none" strike="noStrike" cap="none" spc="0" baseline="0">
           <a:solidFill>
             <a:srgbClr val="FFFFFF"/>
           </a:solidFill>
@@ -2456,7 +2456,7 @@
           <a:sym typeface="Helvetica Neue Medium"/>
         </a:defRPr>
       </a:lvl5pPr>
-      <a:lvl6pPr marL="0" marR="0" indent="0" algn="ctr" defTabSz="584200" rtl="0" latinLnBrk="0">
+      <a:lvl6pPr marL="0" marR="0" indent="0" algn="ctr" defTabSz="584127" rtl="0" latinLnBrk="0">
         <a:lnSpc>
           <a:spcPct val="100000"/>
         </a:lnSpc>
@@ -2471,7 +2471,7 @@
         <a:buFontTx/>
         <a:buNone/>
         <a:tabLst/>
-        <a:defRPr sz="8000" b="0" i="0" u="none" strike="noStrike" cap="none" spc="0" baseline="0">
+        <a:defRPr sz="7998" b="0" i="0" u="none" strike="noStrike" cap="none" spc="0" baseline="0">
           <a:solidFill>
             <a:srgbClr val="FFFFFF"/>
           </a:solidFill>
@@ -2482,7 +2482,7 @@
           <a:sym typeface="Helvetica Neue Medium"/>
         </a:defRPr>
       </a:lvl6pPr>
-      <a:lvl7pPr marL="0" marR="0" indent="0" algn="ctr" defTabSz="584200" rtl="0" latinLnBrk="0">
+      <a:lvl7pPr marL="0" marR="0" indent="0" algn="ctr" defTabSz="584127" rtl="0" latinLnBrk="0">
         <a:lnSpc>
           <a:spcPct val="100000"/>
         </a:lnSpc>
@@ -2497,7 +2497,7 @@
         <a:buFontTx/>
         <a:buNone/>
         <a:tabLst/>
-        <a:defRPr sz="8000" b="0" i="0" u="none" strike="noStrike" cap="none" spc="0" baseline="0">
+        <a:defRPr sz="7998" b="0" i="0" u="none" strike="noStrike" cap="none" spc="0" baseline="0">
           <a:solidFill>
             <a:srgbClr val="FFFFFF"/>
           </a:solidFill>
@@ -2508,7 +2508,7 @@
           <a:sym typeface="Helvetica Neue Medium"/>
         </a:defRPr>
       </a:lvl7pPr>
-      <a:lvl8pPr marL="0" marR="0" indent="0" algn="ctr" defTabSz="584200" rtl="0" latinLnBrk="0">
+      <a:lvl8pPr marL="0" marR="0" indent="0" algn="ctr" defTabSz="584127" rtl="0" latinLnBrk="0">
         <a:lnSpc>
           <a:spcPct val="100000"/>
         </a:lnSpc>
@@ -2523,7 +2523,7 @@
         <a:buFontTx/>
         <a:buNone/>
         <a:tabLst/>
-        <a:defRPr sz="8000" b="0" i="0" u="none" strike="noStrike" cap="none" spc="0" baseline="0">
+        <a:defRPr sz="7998" b="0" i="0" u="none" strike="noStrike" cap="none" spc="0" baseline="0">
           <a:solidFill>
             <a:srgbClr val="FFFFFF"/>
           </a:solidFill>
@@ -2534,7 +2534,7 @@
           <a:sym typeface="Helvetica Neue Medium"/>
         </a:defRPr>
       </a:lvl8pPr>
-      <a:lvl9pPr marL="0" marR="0" indent="0" algn="ctr" defTabSz="584200" rtl="0" latinLnBrk="0">
+      <a:lvl9pPr marL="0" marR="0" indent="0" algn="ctr" defTabSz="584127" rtl="0" latinLnBrk="0">
         <a:lnSpc>
           <a:spcPct val="100000"/>
         </a:lnSpc>
@@ -2549,7 +2549,7 @@
         <a:buFontTx/>
         <a:buNone/>
         <a:tabLst/>
-        <a:defRPr sz="8000" b="0" i="0" u="none" strike="noStrike" cap="none" spc="0" baseline="0">
+        <a:defRPr sz="7998" b="0" i="0" u="none" strike="noStrike" cap="none" spc="0" baseline="0">
           <a:solidFill>
             <a:srgbClr val="FFFFFF"/>
           </a:solidFill>
@@ -2562,12 +2562,12 @@
       </a:lvl9pPr>
     </p:titleStyle>
     <p:bodyStyle>
-      <a:lvl1pPr marL="444500" marR="0" indent="-444500" algn="l" defTabSz="584200" rtl="0" latinLnBrk="0">
+      <a:lvl1pPr marL="444445" marR="0" indent="-444445" algn="l" defTabSz="584127" rtl="0" latinLnBrk="0">
         <a:lnSpc>
           <a:spcPct val="100000"/>
         </a:lnSpc>
         <a:spcBef>
-          <a:spcPts val="4200"/>
+          <a:spcPts val="4198"/>
         </a:spcBef>
         <a:spcAft>
           <a:spcPts val="0"/>
@@ -2590,12 +2590,12 @@
           <a:sym typeface="Helvetica Neue"/>
         </a:defRPr>
       </a:lvl1pPr>
-      <a:lvl2pPr marL="889000" marR="0" indent="-444500" algn="l" defTabSz="584200" rtl="0" latinLnBrk="0">
+      <a:lvl2pPr marL="888892" marR="0" indent="-444445" algn="l" defTabSz="584127" rtl="0" latinLnBrk="0">
         <a:lnSpc>
           <a:spcPct val="100000"/>
         </a:lnSpc>
         <a:spcBef>
-          <a:spcPts val="4200"/>
+          <a:spcPts val="4198"/>
         </a:spcBef>
         <a:spcAft>
           <a:spcPts val="0"/>
@@ -2618,12 +2618,12 @@
           <a:sym typeface="Helvetica Neue"/>
         </a:defRPr>
       </a:lvl2pPr>
-      <a:lvl3pPr marL="1333500" marR="0" indent="-444500" algn="l" defTabSz="584200" rtl="0" latinLnBrk="0">
+      <a:lvl3pPr marL="1333337" marR="0" indent="-444445" algn="l" defTabSz="584127" rtl="0" latinLnBrk="0">
         <a:lnSpc>
           <a:spcPct val="100000"/>
         </a:lnSpc>
         <a:spcBef>
-          <a:spcPts val="4200"/>
+          <a:spcPts val="4198"/>
         </a:spcBef>
         <a:spcAft>
           <a:spcPts val="0"/>
@@ -2646,12 +2646,12 @@
           <a:sym typeface="Helvetica Neue"/>
         </a:defRPr>
       </a:lvl3pPr>
-      <a:lvl4pPr marL="1778000" marR="0" indent="-444500" algn="l" defTabSz="584200" rtl="0" latinLnBrk="0">
+      <a:lvl4pPr marL="1777783" marR="0" indent="-444445" algn="l" defTabSz="584127" rtl="0" latinLnBrk="0">
         <a:lnSpc>
           <a:spcPct val="100000"/>
         </a:lnSpc>
         <a:spcBef>
-          <a:spcPts val="4200"/>
+          <a:spcPts val="4198"/>
         </a:spcBef>
         <a:spcAft>
           <a:spcPts val="0"/>
@@ -2674,12 +2674,12 @@
           <a:sym typeface="Helvetica Neue"/>
         </a:defRPr>
       </a:lvl4pPr>
-      <a:lvl5pPr marL="2222500" marR="0" indent="-444500" algn="l" defTabSz="584200" rtl="0" latinLnBrk="0">
+      <a:lvl5pPr marL="2222229" marR="0" indent="-444445" algn="l" defTabSz="584127" rtl="0" latinLnBrk="0">
         <a:lnSpc>
           <a:spcPct val="100000"/>
         </a:lnSpc>
         <a:spcBef>
-          <a:spcPts val="4200"/>
+          <a:spcPts val="4198"/>
         </a:spcBef>
         <a:spcAft>
           <a:spcPts val="0"/>
@@ -2702,12 +2702,12 @@
           <a:sym typeface="Helvetica Neue"/>
         </a:defRPr>
       </a:lvl5pPr>
-      <a:lvl6pPr marL="2667000" marR="0" indent="-444500" algn="l" defTabSz="584200" rtl="0" latinLnBrk="0">
+      <a:lvl6pPr marL="2666675" marR="0" indent="-444445" algn="l" defTabSz="584127" rtl="0" latinLnBrk="0">
         <a:lnSpc>
           <a:spcPct val="100000"/>
         </a:lnSpc>
         <a:spcBef>
-          <a:spcPts val="4200"/>
+          <a:spcPts val="4198"/>
         </a:spcBef>
         <a:spcAft>
           <a:spcPts val="0"/>
@@ -2730,12 +2730,12 @@
           <a:sym typeface="Helvetica Neue"/>
         </a:defRPr>
       </a:lvl6pPr>
-      <a:lvl7pPr marL="3111500" marR="0" indent="-444500" algn="l" defTabSz="584200" rtl="0" latinLnBrk="0">
+      <a:lvl7pPr marL="3111119" marR="0" indent="-444445" algn="l" defTabSz="584127" rtl="0" latinLnBrk="0">
         <a:lnSpc>
           <a:spcPct val="100000"/>
         </a:lnSpc>
         <a:spcBef>
-          <a:spcPts val="4200"/>
+          <a:spcPts val="4198"/>
         </a:spcBef>
         <a:spcAft>
           <a:spcPts val="0"/>
@@ -2758,12 +2758,12 @@
           <a:sym typeface="Helvetica Neue"/>
         </a:defRPr>
       </a:lvl7pPr>
-      <a:lvl8pPr marL="3556000" marR="0" indent="-444500" algn="l" defTabSz="584200" rtl="0" latinLnBrk="0">
+      <a:lvl8pPr marL="3555565" marR="0" indent="-444445" algn="l" defTabSz="584127" rtl="0" latinLnBrk="0">
         <a:lnSpc>
           <a:spcPct val="100000"/>
         </a:lnSpc>
         <a:spcBef>
-          <a:spcPts val="4200"/>
+          <a:spcPts val="4198"/>
         </a:spcBef>
         <a:spcAft>
           <a:spcPts val="0"/>
@@ -2786,12 +2786,12 @@
           <a:sym typeface="Helvetica Neue"/>
         </a:defRPr>
       </a:lvl8pPr>
-      <a:lvl9pPr marL="4000500" marR="0" indent="-444500" algn="l" defTabSz="584200" rtl="0" latinLnBrk="0">
+      <a:lvl9pPr marL="4000011" marR="0" indent="-444445" algn="l" defTabSz="584127" rtl="0" latinLnBrk="0">
         <a:lnSpc>
           <a:spcPct val="100000"/>
         </a:lnSpc>
         <a:spcBef>
-          <a:spcPts val="4200"/>
+          <a:spcPts val="4198"/>
         </a:spcBef>
         <a:spcAft>
           <a:spcPts val="0"/>
@@ -2816,7 +2816,7 @@
       </a:lvl9pPr>
     </p:bodyStyle>
     <p:otherStyle>
-      <a:lvl1pPr marL="0" marR="0" indent="0" algn="ctr" defTabSz="584200" latinLnBrk="0">
+      <a:lvl1pPr marL="0" marR="0" indent="0" algn="ctr" defTabSz="584127" latinLnBrk="0">
         <a:lnSpc>
           <a:spcPct val="100000"/>
         </a:lnSpc>
@@ -2831,7 +2831,7 @@
         <a:buFontTx/>
         <a:buNone/>
         <a:tabLst/>
-        <a:defRPr sz="1600" b="0" i="0" u="none" strike="noStrike" cap="none" spc="0" baseline="0">
+        <a:defRPr sz="1599" b="0" i="0" u="none" strike="noStrike" cap="none" spc="0" baseline="0">
           <a:solidFill>
             <a:schemeClr val="tx1"/>
           </a:solidFill>
@@ -2842,7 +2842,7 @@
           <a:sym typeface="Helvetica Neue Light"/>
         </a:defRPr>
       </a:lvl1pPr>
-      <a:lvl2pPr marL="0" marR="0" indent="228600" algn="ctr" defTabSz="584200" latinLnBrk="0">
+      <a:lvl2pPr marL="0" marR="0" indent="228572" algn="ctr" defTabSz="584127" latinLnBrk="0">
         <a:lnSpc>
           <a:spcPct val="100000"/>
         </a:lnSpc>
@@ -2857,7 +2857,7 @@
         <a:buFontTx/>
         <a:buNone/>
         <a:tabLst/>
-        <a:defRPr sz="1600" b="0" i="0" u="none" strike="noStrike" cap="none" spc="0" baseline="0">
+        <a:defRPr sz="1599" b="0" i="0" u="none" strike="noStrike" cap="none" spc="0" baseline="0">
           <a:solidFill>
             <a:schemeClr val="tx1"/>
           </a:solidFill>
@@ -2868,7 +2868,7 @@
           <a:sym typeface="Helvetica Neue Light"/>
         </a:defRPr>
       </a:lvl2pPr>
-      <a:lvl3pPr marL="0" marR="0" indent="457200" algn="ctr" defTabSz="584200" latinLnBrk="0">
+      <a:lvl3pPr marL="0" marR="0" indent="457143" algn="ctr" defTabSz="584127" latinLnBrk="0">
         <a:lnSpc>
           <a:spcPct val="100000"/>
         </a:lnSpc>
@@ -2883,7 +2883,7 @@
         <a:buFontTx/>
         <a:buNone/>
         <a:tabLst/>
-        <a:defRPr sz="1600" b="0" i="0" u="none" strike="noStrike" cap="none" spc="0" baseline="0">
+        <a:defRPr sz="1599" b="0" i="0" u="none" strike="noStrike" cap="none" spc="0" baseline="0">
           <a:solidFill>
             <a:schemeClr val="tx1"/>
           </a:solidFill>
@@ -2894,7 +2894,7 @@
           <a:sym typeface="Helvetica Neue Light"/>
         </a:defRPr>
       </a:lvl3pPr>
-      <a:lvl4pPr marL="0" marR="0" indent="685800" algn="ctr" defTabSz="584200" latinLnBrk="0">
+      <a:lvl4pPr marL="0" marR="0" indent="685717" algn="ctr" defTabSz="584127" latinLnBrk="0">
         <a:lnSpc>
           <a:spcPct val="100000"/>
         </a:lnSpc>
@@ -2909,7 +2909,7 @@
         <a:buFontTx/>
         <a:buNone/>
         <a:tabLst/>
-        <a:defRPr sz="1600" b="0" i="0" u="none" strike="noStrike" cap="none" spc="0" baseline="0">
+        <a:defRPr sz="1599" b="0" i="0" u="none" strike="noStrike" cap="none" spc="0" baseline="0">
           <a:solidFill>
             <a:schemeClr val="tx1"/>
           </a:solidFill>
@@ -2920,7 +2920,7 @@
           <a:sym typeface="Helvetica Neue Light"/>
         </a:defRPr>
       </a:lvl4pPr>
-      <a:lvl5pPr marL="0" marR="0" indent="914400" algn="ctr" defTabSz="584200" latinLnBrk="0">
+      <a:lvl5pPr marL="0" marR="0" indent="914288" algn="ctr" defTabSz="584127" latinLnBrk="0">
         <a:lnSpc>
           <a:spcPct val="100000"/>
         </a:lnSpc>
@@ -2935,7 +2935,7 @@
         <a:buFontTx/>
         <a:buNone/>
         <a:tabLst/>
-        <a:defRPr sz="1600" b="0" i="0" u="none" strike="noStrike" cap="none" spc="0" baseline="0">
+        <a:defRPr sz="1599" b="0" i="0" u="none" strike="noStrike" cap="none" spc="0" baseline="0">
           <a:solidFill>
             <a:schemeClr val="tx1"/>
           </a:solidFill>
@@ -2946,7 +2946,7 @@
           <a:sym typeface="Helvetica Neue Light"/>
         </a:defRPr>
       </a:lvl5pPr>
-      <a:lvl6pPr marL="0" marR="0" indent="1143000" algn="ctr" defTabSz="584200" latinLnBrk="0">
+      <a:lvl6pPr marL="0" marR="0" indent="1142860" algn="ctr" defTabSz="584127" latinLnBrk="0">
         <a:lnSpc>
           <a:spcPct val="100000"/>
         </a:lnSpc>
@@ -2961,7 +2961,7 @@
         <a:buFontTx/>
         <a:buNone/>
         <a:tabLst/>
-        <a:defRPr sz="1600" b="0" i="0" u="none" strike="noStrike" cap="none" spc="0" baseline="0">
+        <a:defRPr sz="1599" b="0" i="0" u="none" strike="noStrike" cap="none" spc="0" baseline="0">
           <a:solidFill>
             <a:schemeClr val="tx1"/>
           </a:solidFill>
@@ -2972,7 +2972,7 @@
           <a:sym typeface="Helvetica Neue Light"/>
         </a:defRPr>
       </a:lvl6pPr>
-      <a:lvl7pPr marL="0" marR="0" indent="1371600" algn="ctr" defTabSz="584200" latinLnBrk="0">
+      <a:lvl7pPr marL="0" marR="0" indent="1371432" algn="ctr" defTabSz="584127" latinLnBrk="0">
         <a:lnSpc>
           <a:spcPct val="100000"/>
         </a:lnSpc>
@@ -2987,7 +2987,7 @@
         <a:buFontTx/>
         <a:buNone/>
         <a:tabLst/>
-        <a:defRPr sz="1600" b="0" i="0" u="none" strike="noStrike" cap="none" spc="0" baseline="0">
+        <a:defRPr sz="1599" b="0" i="0" u="none" strike="noStrike" cap="none" spc="0" baseline="0">
           <a:solidFill>
             <a:schemeClr val="tx1"/>
           </a:solidFill>
@@ -2998,7 +2998,7 @@
           <a:sym typeface="Helvetica Neue Light"/>
         </a:defRPr>
       </a:lvl7pPr>
-      <a:lvl8pPr marL="0" marR="0" indent="1600200" algn="ctr" defTabSz="584200" latinLnBrk="0">
+      <a:lvl8pPr marL="0" marR="0" indent="1600005" algn="ctr" defTabSz="584127" latinLnBrk="0">
         <a:lnSpc>
           <a:spcPct val="100000"/>
         </a:lnSpc>
@@ -3013,7 +3013,7 @@
         <a:buFontTx/>
         <a:buNone/>
         <a:tabLst/>
-        <a:defRPr sz="1600" b="0" i="0" u="none" strike="noStrike" cap="none" spc="0" baseline="0">
+        <a:defRPr sz="1599" b="0" i="0" u="none" strike="noStrike" cap="none" spc="0" baseline="0">
           <a:solidFill>
             <a:schemeClr val="tx1"/>
           </a:solidFill>
@@ -3024,7 +3024,7 @@
           <a:sym typeface="Helvetica Neue Light"/>
         </a:defRPr>
       </a:lvl8pPr>
-      <a:lvl9pPr marL="0" marR="0" indent="1828800" algn="ctr" defTabSz="584200" latinLnBrk="0">
+      <a:lvl9pPr marL="0" marR="0" indent="1828577" algn="ctr" defTabSz="584127" latinLnBrk="0">
         <a:lnSpc>
           <a:spcPct val="100000"/>
         </a:lnSpc>
@@ -3039,7 +3039,7 @@
         <a:buFontTx/>
         <a:buNone/>
         <a:tabLst/>
-        <a:defRPr sz="1600" b="0" i="0" u="none" strike="noStrike" cap="none" spc="0" baseline="0">
+        <a:defRPr sz="1599" b="0" i="0" u="none" strike="noStrike" cap="none" spc="0" baseline="0">
           <a:solidFill>
             <a:schemeClr val="tx1"/>
           </a:solidFill>
@@ -3092,8 +3092,8 @@
         </p:nvSpPr>
         <p:spPr>
           <a:xfrm>
-            <a:off x="1270000" y="2540000"/>
-            <a:ext cx="10464800" cy="3302000"/>
+            <a:off x="1270001" y="2540002"/>
+            <a:ext cx="10464801" cy="3302000"/>
           </a:xfrm>
           <a:prstGeom prst="rect">
             <a:avLst/>
@@ -3114,11 +3114,11 @@
           </a:lstStyle>
           <a:p>
             <a:r>
-              <a:rPr dirty="0" smtClean="0"/>
+              <a:rPr dirty="0"/>
               <a:t>Introduction to Flutter</a:t>
             </a:r>
             <a:r>
-              <a:rPr lang="en-US" dirty="0" smtClean="0"/>
+              <a:rPr lang="en-US" dirty="0"/>
               <a:t>istas Community</a:t>
             </a:r>
             <a:endParaRPr dirty="0"/>
@@ -3144,8 +3144,8 @@
         </p:blipFill>
         <p:spPr>
           <a:xfrm>
-            <a:off x="5105186" y="648293"/>
-            <a:ext cx="2794428" cy="2531707"/>
+            <a:off x="5105190" y="648296"/>
+            <a:ext cx="2794426" cy="2531706"/>
           </a:xfrm>
           <a:prstGeom prst="rect">
             <a:avLst/>
@@ -3161,13 +3161,6 @@
     <a:masterClrMapping/>
   </p:clrMapOvr>
   <p:transition spd="med"/>
-  <p:timing>
-    <p:tnLst>
-      <p:par>
-        <p:cTn id="1" dur="indefinite" restart="never" nodeType="tmRoot"/>
-      </p:par>
-    </p:tnLst>
-  </p:timing>
 </p:sld>
 </file>
 
@@ -3208,8 +3201,8 @@
         </p:nvSpPr>
         <p:spPr>
           <a:xfrm>
-            <a:off x="952500" y="254000"/>
-            <a:ext cx="11099800" cy="1273260"/>
+            <a:off x="952500" y="254001"/>
+            <a:ext cx="11099802" cy="1273260"/>
           </a:xfrm>
           <a:prstGeom prst="rect">
             <a:avLst/>
@@ -3230,34 +3223,33 @@
           </a:lstStyle>
           <a:p>
             <a:r>
-              <a:rPr sz="4800" dirty="0"/>
+              <a:rPr sz="4799" dirty="0"/>
               <a:t>What </a:t>
             </a:r>
             <a:r>
-              <a:rPr lang="en-US" sz="4800" dirty="0" smtClean="0"/>
+              <a:rPr lang="en-US" sz="4799" dirty="0"/>
               <a:t>are</a:t>
             </a:r>
             <a:r>
-              <a:rPr sz="4800" dirty="0" smtClean="0"/>
+              <a:rPr sz="4799" dirty="0"/>
               <a:t> </a:t>
             </a:r>
             <a:r>
-              <a:rPr lang="en-US" sz="4800" dirty="0" smtClean="0"/>
+              <a:rPr lang="en-US" sz="4799" dirty="0"/>
               <a:t>the </a:t>
             </a:r>
             <a:r>
-              <a:rPr sz="4800" dirty="0" smtClean="0"/>
+              <a:rPr sz="4799" dirty="0"/>
               <a:t>Flutter</a:t>
             </a:r>
             <a:r>
-              <a:rPr lang="en-US" sz="4800" dirty="0" smtClean="0"/>
+              <a:rPr lang="en-US" sz="4799" dirty="0"/>
               <a:t>istas</a:t>
             </a:r>
             <a:r>
-              <a:rPr sz="4800" dirty="0" smtClean="0"/>
+              <a:rPr sz="4799" dirty="0"/>
               <a:t>?</a:t>
             </a:r>
-            <a:endParaRPr sz="4800" dirty="0"/>
           </a:p>
         </p:txBody>
       </p:sp>
@@ -3273,7 +3265,7 @@
         </p:nvSpPr>
         <p:spPr>
           <a:xfrm>
-            <a:off x="693967" y="1347524"/>
+            <a:off x="693968" y="1347526"/>
             <a:ext cx="11616866" cy="7902575"/>
           </a:xfrm>
           <a:prstGeom prst="rect">
@@ -3286,7 +3278,7 @@
           </a:bodyPr>
           <a:lstStyle/>
           <a:p>
-            <a:pPr marL="444499" indent="-444499">
+            <a:pPr marL="444445" indent="-444445">
               <a:defRPr sz="4500">
                 <a:solidFill>
                   <a:srgbClr val="82C6F5"/>
@@ -3294,28 +3286,24 @@
               </a:defRPr>
             </a:pPr>
             <a:r>
-              <a:rPr lang="en-US" dirty="0" smtClean="0"/>
+              <a:rPr lang="en-US" dirty="0"/>
               <a:t>The </a:t>
             </a:r>
             <a:r>
-              <a:rPr dirty="0" err="1" smtClean="0"/>
+              <a:rPr dirty="0" err="1"/>
               <a:t>Flutter</a:t>
             </a:r>
             <a:r>
-              <a:rPr lang="en-US" dirty="0" err="1" smtClean="0"/>
+              <a:rPr lang="en-US" dirty="0" err="1"/>
               <a:t>istas</a:t>
             </a:r>
             <a:r>
               <a:rPr lang="en-US" dirty="0"/>
-              <a:t> </a:t>
-            </a:r>
-            <a:r>
-              <a:rPr lang="en-US" dirty="0" smtClean="0"/>
-              <a:t>is a world-wide community of people who identify as women or non-binary who have an interest in the Flutter SDK.</a:t>
-            </a:r>
-          </a:p>
-          <a:p>
-            <a:pPr marL="444499" indent="-444499">
+              <a:t> is a world-wide community of people who identify as women or non-binary who have an interest in the Flutter SDK.</a:t>
+            </a:r>
+          </a:p>
+          <a:p>
+            <a:pPr marL="444445" indent="-444445">
               <a:defRPr sz="4500">
                 <a:solidFill>
                   <a:srgbClr val="82C6F5"/>
@@ -3323,15 +3311,15 @@
               </a:defRPr>
             </a:pPr>
             <a:r>
-              <a:rPr lang="en-US" dirty="0" smtClean="0"/>
+              <a:rPr lang="en-US" dirty="0"/>
               <a:t>The </a:t>
             </a:r>
             <a:r>
-              <a:rPr lang="en-US" dirty="0" err="1" smtClean="0"/>
+              <a:rPr lang="en-US" dirty="0" err="1"/>
               <a:t>Flutteristas</a:t>
             </a:r>
             <a:r>
-              <a:rPr lang="en-US" dirty="0" smtClean="0"/>
+              <a:rPr lang="en-US" dirty="0"/>
               <a:t> have a monthly meeting which usually includes a presentation by Google Flutter team member(s) or other Flutter Community member(s).  </a:t>
             </a:r>
             <a:endParaRPr dirty="0"/>
@@ -3526,8 +3514,8 @@
         </p:nvSpPr>
         <p:spPr>
           <a:xfrm>
-            <a:off x="952500" y="254000"/>
-            <a:ext cx="11099800" cy="1270859"/>
+            <a:off x="952500" y="254003"/>
+            <a:ext cx="11099802" cy="1270859"/>
           </a:xfrm>
           <a:prstGeom prst="rect">
             <a:avLst/>
@@ -3548,7 +3536,7 @@
           </a:lstStyle>
           <a:p>
             <a:r>
-              <a:rPr lang="en-US" dirty="0" smtClean="0"/>
+              <a:rPr lang="en-US" dirty="0"/>
               <a:t>Interested in joining?</a:t>
             </a:r>
             <a:endParaRPr dirty="0"/>
@@ -3567,8 +3555,8 @@
         </p:nvSpPr>
         <p:spPr>
           <a:xfrm>
-            <a:off x="694933" y="1536413"/>
-            <a:ext cx="11614934" cy="7364699"/>
+            <a:off x="694934" y="1536414"/>
+            <a:ext cx="11614935" cy="7364699"/>
           </a:xfrm>
           <a:prstGeom prst="rect">
             <a:avLst/>
@@ -3576,11 +3564,11 @@
         </p:spPr>
         <p:txBody>
           <a:bodyPr>
-            <a:normAutofit lnSpcReduction="10000"/>
+            <a:noAutofit/>
           </a:bodyPr>
           <a:lstStyle/>
           <a:p>
-            <a:pPr marL="346709" indent="-346709" defTabSz="455675">
+            <a:pPr marL="346667" indent="-346667" defTabSz="455620">
               <a:spcBef>
                 <a:spcPts val="3200"/>
               </a:spcBef>
@@ -3591,20 +3579,20 @@
               </a:defRPr>
             </a:pPr>
             <a:r>
-              <a:rPr lang="en-US" dirty="0" smtClean="0"/>
+              <a:rPr lang="en-US" sz="3999" dirty="0"/>
               <a:t>Are you interested in joining the </a:t>
             </a:r>
             <a:r>
-              <a:rPr lang="en-US" dirty="0" err="1" smtClean="0"/>
+              <a:rPr lang="en-US" sz="3999" dirty="0" err="1"/>
               <a:t>Flutteristas</a:t>
             </a:r>
             <a:r>
-              <a:rPr lang="en-US" dirty="0" smtClean="0"/>
+              <a:rPr lang="en-US" sz="3999" dirty="0"/>
               <a:t>?</a:t>
             </a:r>
           </a:p>
           <a:p>
-            <a:pPr marL="346709" indent="-346709" defTabSz="455675">
+            <a:pPr marL="346667" indent="-346667" defTabSz="455620">
               <a:spcBef>
                 <a:spcPts val="3200"/>
               </a:spcBef>
@@ -3615,12 +3603,12 @@
               </a:defRPr>
             </a:pPr>
             <a:r>
-              <a:rPr lang="en-US" dirty="0" smtClean="0"/>
+              <a:rPr lang="en-US" sz="3999" dirty="0"/>
               <a:t>Do you identify as a woman or non-binary who has an interest in the Flutter SDK?</a:t>
             </a:r>
           </a:p>
           <a:p>
-            <a:pPr marL="346709" indent="-346709" defTabSz="455675">
+            <a:pPr marL="346667" indent="-346667" defTabSz="455620">
               <a:spcBef>
                 <a:spcPts val="3200"/>
               </a:spcBef>
@@ -3631,21 +3619,20 @@
               </a:defRPr>
             </a:pPr>
             <a:r>
-              <a:rPr lang="en-US" dirty="0" smtClean="0"/>
+              <a:rPr lang="en-US" sz="3999" dirty="0"/>
               <a:t>Do you agree to the </a:t>
             </a:r>
             <a:r>
-              <a:rPr lang="en-US" dirty="0" err="1" smtClean="0"/>
+              <a:rPr lang="en-US" sz="3999" dirty="0" err="1"/>
               <a:t>Flutteristas</a:t>
             </a:r>
             <a:r>
-              <a:rPr lang="en-US" dirty="0" smtClean="0"/>
+              <a:rPr lang="en-US" sz="3999" dirty="0"/>
               <a:t>’ Code of Conduct (see appendix)?</a:t>
             </a:r>
-            <a:endParaRPr lang="en-US" dirty="0" smtClean="0"/>
-          </a:p>
-          <a:p>
-            <a:pPr marL="346709" indent="-346709" defTabSz="455675">
+          </a:p>
+          <a:p>
+            <a:pPr marL="346667" indent="-346667" defTabSz="455620">
               <a:spcBef>
                 <a:spcPts val="3200"/>
               </a:spcBef>
@@ -3656,67 +3643,33 @@
               </a:defRPr>
             </a:pPr>
             <a:r>
-              <a:rPr lang="en-US" dirty="0" smtClean="0"/>
-              <a:t>If you answered yes to all three of these questions, contact the presenter or one of the </a:t>
-            </a:r>
-            <a:r>
-              <a:rPr lang="en-US" dirty="0" err="1" smtClean="0"/>
-              <a:t>Flutterista</a:t>
-            </a:r>
-            <a:r>
-              <a:rPr lang="en-US" dirty="0" smtClean="0"/>
-              <a:t> managing team members via Twitter:</a:t>
-            </a:r>
-            <a:endParaRPr lang="en-US" sz="3300" dirty="0" smtClean="0"/>
-          </a:p>
-          <a:p>
-            <a:pPr lvl="1" defTabSz="455675">
-              <a:spcBef>
-                <a:spcPts val="3200"/>
-              </a:spcBef>
-              <a:buFont typeface="Wingdings" charset="2"/>
-              <a:buChar char="Ø"/>
-              <a:defRPr sz="3509">
-                <a:solidFill>
-                  <a:srgbClr val="00C6FE"/>
-                </a:solidFill>
-              </a:defRPr>
-            </a:pPr>
-            <a:r>
-              <a:rPr lang="en-US" sz="3300" dirty="0" smtClean="0"/>
-              <a:t>Danielle Cox: @imafiguresk8r</a:t>
-            </a:r>
-          </a:p>
-          <a:p>
-            <a:pPr lvl="1" defTabSz="455675">
-              <a:spcBef>
-                <a:spcPts val="3200"/>
-              </a:spcBef>
-              <a:buFont typeface="Wingdings" charset="2"/>
-              <a:buChar char="Ø"/>
-              <a:defRPr sz="3509">
-                <a:solidFill>
-                  <a:srgbClr val="00C6FE"/>
-                </a:solidFill>
-              </a:defRPr>
-            </a:pPr>
-            <a:r>
-              <a:rPr lang="en-US" sz="3300" dirty="0" smtClean="0"/>
-              <a:t>Stephanie Patterson</a:t>
-            </a:r>
-            <a:r>
-              <a:rPr sz="3300" dirty="0" smtClean="0"/>
-              <a:t>: </a:t>
-            </a:r>
-            <a:r>
-              <a:rPr sz="3300" dirty="0"/>
-              <a:t>@</a:t>
-            </a:r>
-            <a:r>
-              <a:rPr sz="3300" dirty="0" err="1" smtClean="0"/>
-              <a:t>GeekMeSpeakStef</a:t>
-            </a:r>
-            <a:endParaRPr lang="en-US" sz="3300" dirty="0" smtClean="0"/>
+              <a:rPr lang="en-US" sz="3999" dirty="0"/>
+              <a:t>If you answered yes to all three of these questions, contact the presenter or send an email to </a:t>
+            </a:r>
+            <a:r>
+              <a:rPr lang="en-US" sz="3999" dirty="0" err="1"/>
+              <a:t>Flutteristas@gmail.com</a:t>
+            </a:r>
+            <a:r>
+              <a:rPr lang="en-US" sz="3999" dirty="0"/>
+              <a:t>.  It’s recommended to use a </a:t>
+            </a:r>
+            <a:r>
+              <a:rPr lang="en-US" sz="3999" dirty="0" err="1"/>
+              <a:t>gmail</a:t>
+            </a:r>
+            <a:r>
+              <a:rPr lang="en-US" sz="3999" dirty="0"/>
+              <a:t> account so that you can be added to the </a:t>
+            </a:r>
+            <a:r>
+              <a:rPr lang="en-US" sz="3999" dirty="0" err="1"/>
+              <a:t>Flutteristas</a:t>
+            </a:r>
+            <a:r>
+              <a:rPr lang="en-US" sz="3999" dirty="0"/>
+              <a:t> calendar.</a:t>
+            </a:r>
           </a:p>
         </p:txBody>
       </p:sp>
@@ -3726,13 +3679,6 @@
     <a:masterClrMapping/>
   </p:clrMapOvr>
   <p:transition spd="med"/>
-  <p:timing>
-    <p:tnLst>
-      <p:par>
-        <p:cTn id="1" dur="indefinite" restart="never" nodeType="tmRoot"/>
-      </p:par>
-    </p:tnLst>
-  </p:timing>
 </p:sld>
 </file>
 
@@ -3800,13 +3746,6 @@
     <a:masterClrMapping/>
   </p:clrMapOvr>
   <p:transition spd="med"/>
-  <p:timing>
-    <p:tnLst>
-      <p:par>
-        <p:cTn id="1" dur="indefinite" restart="never" nodeType="tmRoot"/>
-      </p:par>
-    </p:tnLst>
-  </p:timing>
 </p:sld>
 </file>
 
@@ -3863,7 +3802,7 @@
           </a:lstStyle>
           <a:p>
             <a:r>
-              <a:rPr lang="en-US" dirty="0" smtClean="0"/>
+              <a:rPr lang="en-US" dirty="0"/>
               <a:t>Appendix</a:t>
             </a:r>
             <a:endParaRPr dirty="0"/>
@@ -3881,13 +3820,6 @@
     <a:masterClrMapping/>
   </p:clrMapOvr>
   <p:transition spd="med"/>
-  <p:timing>
-    <p:tnLst>
-      <p:par>
-        <p:cTn id="1" dur="indefinite" restart="never" nodeType="tmRoot"/>
-      </p:par>
-    </p:tnLst>
-  </p:timing>
 </p:sld>
 </file>
 
@@ -3928,8 +3860,8 @@
         </p:nvSpPr>
         <p:spPr>
           <a:xfrm>
-            <a:off x="952500" y="254000"/>
-            <a:ext cx="11099800" cy="1273260"/>
+            <a:off x="952500" y="254001"/>
+            <a:ext cx="11099802" cy="1273260"/>
           </a:xfrm>
           <a:prstGeom prst="rect">
             <a:avLst/>
@@ -3950,14 +3882,14 @@
           </a:lstStyle>
           <a:p>
             <a:r>
-              <a:rPr lang="en-US" sz="4800" dirty="0" err="1" smtClean="0"/>
+              <a:rPr lang="en-US" sz="4799" dirty="0" err="1"/>
               <a:t>Flutteristas</a:t>
             </a:r>
             <a:r>
-              <a:rPr lang="en-US" sz="4800" dirty="0" smtClean="0"/>
+              <a:rPr lang="en-US" sz="4799" dirty="0"/>
               <a:t> Code of Conduct</a:t>
             </a:r>
-            <a:endParaRPr sz="4800" dirty="0"/>
+            <a:endParaRPr sz="4799" dirty="0"/>
           </a:p>
         </p:txBody>
       </p:sp>
@@ -3973,7 +3905,7 @@
         </p:nvSpPr>
         <p:spPr>
           <a:xfrm>
-            <a:off x="693967" y="1347524"/>
+            <a:off x="693968" y="1347526"/>
             <a:ext cx="11616866" cy="7902575"/>
           </a:xfrm>
           <a:prstGeom prst="rect">
@@ -3986,7 +3918,7 @@
           </a:bodyPr>
           <a:lstStyle/>
           <a:p>
-            <a:pPr marL="444499" indent="-444499">
+            <a:pPr marL="444445" indent="-444445">
               <a:defRPr sz="4500">
                 <a:solidFill>
                   <a:srgbClr val="82C6F5"/>
@@ -3994,29 +3926,16 @@
               </a:defRPr>
             </a:pPr>
             <a:r>
-              <a:rPr lang="en-US" dirty="0" err="1" smtClean="0"/>
+              <a:rPr lang="en-US" dirty="0" err="1"/>
               <a:t>Flutteristas</a:t>
             </a:r>
             <a:r>
-              <a:rPr lang="en-US" dirty="0" smtClean="0"/>
-              <a:t> </a:t>
-            </a:r>
-            <a:r>
               <a:rPr lang="en-US" dirty="0"/>
-              <a:t>are dedicated to providing a harassment-free and inclusive </a:t>
-            </a:r>
-            <a:r>
-              <a:rPr lang="en-US" dirty="0" smtClean="0"/>
-              <a:t>experience </a:t>
-            </a:r>
-            <a:r>
-              <a:rPr lang="en-US" dirty="0"/>
-              <a:t>for everyone regardless of gender identity and expression, sexual orientation, disabilities, neurodiversity, physical appearance, body size, ethnicity, nationality, race, age, religion, or other protected category. </a:t>
-            </a:r>
-            <a:endParaRPr lang="en-US" dirty="0" smtClean="0"/>
-          </a:p>
-          <a:p>
-            <a:pPr marL="444499" indent="-444499">
+              <a:t> are dedicated to providing a harassment-free and inclusive experience for everyone regardless of gender identity and expression, sexual orientation, disabilities, neurodiversity, physical appearance, body size, ethnicity, nationality, race, age, religion, or other protected category. </a:t>
+            </a:r>
+          </a:p>
+          <a:p>
+            <a:pPr marL="444445" indent="-444445">
               <a:defRPr sz="4500">
                 <a:solidFill>
                   <a:srgbClr val="82C6F5"/>
@@ -4029,23 +3948,11 @@
             </a:r>
             <a:r>
               <a:rPr lang="en-US"/>
-              <a:t> </a:t>
-            </a:r>
-            <a:r>
-              <a:rPr lang="en-US" smtClean="0"/>
-              <a:t>follow </a:t>
+              <a:t> follow </a:t>
             </a:r>
             <a:r>
               <a:rPr lang="en-US" dirty="0"/>
-              <a:t>Google’s Flutter Interact Community </a:t>
-            </a:r>
-            <a:r>
-              <a:rPr lang="en-US" dirty="0" smtClean="0"/>
-              <a:t>Guidelines located at  </a:t>
-            </a:r>
-            <a:r>
-              <a:rPr lang="en-US" dirty="0"/>
-              <a:t>https://</a:t>
+              <a:t>Google’s Flutter Interact Community Guidelines located at  https://</a:t>
             </a:r>
             <a:r>
               <a:rPr lang="en-US" dirty="0" err="1"/>
